--- a/doc/Status.pptx
+++ b/doc/Status.pptx
@@ -6,8 +6,9 @@
   </p:sldMasterIdLst>
   <p:sldIdLst>
     <p:sldId id="256" r:id="rId2"/>
-    <p:sldId id="257" r:id="rId3"/>
-    <p:sldId id="258" r:id="rId4"/>
+    <p:sldId id="259" r:id="rId3"/>
+    <p:sldId id="257" r:id="rId4"/>
+    <p:sldId id="258" r:id="rId5"/>
   </p:sldIdLst>
   <p:sldSz cx="12192000" cy="6858000"/>
   <p:notesSz cx="6858000" cy="9144000"/>
@@ -106,6 +107,11 @@
       </a:defRPr>
     </a:lvl9pPr>
   </p:defaultTextStyle>
+  <p:extLst>
+    <p:ext uri="{EFAFB233-063F-42B5-8137-9DF3F51BA10A}">
+      <p15:sldGuideLst xmlns:p15="http://schemas.microsoft.com/office/powerpoint/2012/main"/>
+    </p:ext>
+  </p:extLst>
 </p:presentation>
 </file>
 
@@ -301,7 +307,7 @@
             <a:fld id="{B61BEF0D-F0BB-DE4B-95CE-6DB70DBA9567}" type="datetimeFigureOut">
               <a:rPr lang="en-US" dirty="0"/>
               <a:pPr/>
-              <a:t>5/13/2020</a:t>
+              <a:t>6/17/2020</a:t>
             </a:fld>
             <a:endParaRPr lang="en-US" dirty="0"/>
           </a:p>
@@ -734,7 +740,7 @@
             <a:fld id="{B61BEF0D-F0BB-DE4B-95CE-6DB70DBA9567}" type="datetimeFigureOut">
               <a:rPr lang="en-US" dirty="0"/>
               <a:pPr/>
-              <a:t>5/13/2020</a:t>
+              <a:t>6/17/2020</a:t>
             </a:fld>
             <a:endParaRPr lang="en-US" dirty="0"/>
           </a:p>
@@ -981,7 +987,7 @@
             <a:fld id="{B61BEF0D-F0BB-DE4B-95CE-6DB70DBA9567}" type="datetimeFigureOut">
               <a:rPr lang="en-US" dirty="0"/>
               <a:pPr/>
-              <a:t>5/13/2020</a:t>
+              <a:t>6/17/2020</a:t>
             </a:fld>
             <a:endParaRPr lang="en-US" dirty="0"/>
           </a:p>
@@ -1286,7 +1292,7 @@
             <a:fld id="{B61BEF0D-F0BB-DE4B-95CE-6DB70DBA9567}" type="datetimeFigureOut">
               <a:rPr lang="en-US" dirty="0"/>
               <a:pPr/>
-              <a:t>5/13/2020</a:t>
+              <a:t>6/17/2020</a:t>
             </a:fld>
             <a:endParaRPr lang="en-US" dirty="0"/>
           </a:p>
@@ -1601,7 +1607,7 @@
             <a:fld id="{B61BEF0D-F0BB-DE4B-95CE-6DB70DBA9567}" type="datetimeFigureOut">
               <a:rPr lang="en-US" dirty="0"/>
               <a:pPr/>
-              <a:t>5/13/2020</a:t>
+              <a:t>6/17/2020</a:t>
             </a:fld>
             <a:endParaRPr lang="en-US" dirty="0"/>
           </a:p>
@@ -1900,7 +1906,7 @@
             <a:fld id="{B61BEF0D-F0BB-DE4B-95CE-6DB70DBA9567}" type="datetimeFigureOut">
               <a:rPr lang="en-US" dirty="0"/>
               <a:pPr/>
-              <a:t>5/13/2020</a:t>
+              <a:t>6/17/2020</a:t>
             </a:fld>
             <a:endParaRPr lang="en-US" dirty="0"/>
           </a:p>
@@ -2264,7 +2270,7 @@
             <a:fld id="{B61BEF0D-F0BB-DE4B-95CE-6DB70DBA9567}" type="datetimeFigureOut">
               <a:rPr lang="en-US" dirty="0"/>
               <a:pPr/>
-              <a:t>5/13/2020</a:t>
+              <a:t>6/17/2020</a:t>
             </a:fld>
             <a:endParaRPr lang="en-US" dirty="0"/>
           </a:p>
@@ -2435,7 +2441,7 @@
             <a:fld id="{B61BEF0D-F0BB-DE4B-95CE-6DB70DBA9567}" type="datetimeFigureOut">
               <a:rPr lang="en-US" dirty="0"/>
               <a:pPr/>
-              <a:t>5/13/2020</a:t>
+              <a:t>6/17/2020</a:t>
             </a:fld>
             <a:endParaRPr lang="en-US" dirty="0"/>
           </a:p>
@@ -2612,7 +2618,7 @@
             <a:fld id="{B61BEF0D-F0BB-DE4B-95CE-6DB70DBA9567}" type="datetimeFigureOut">
               <a:rPr lang="en-US" dirty="0"/>
               <a:pPr/>
-              <a:t>5/13/2020</a:t>
+              <a:t>6/17/2020</a:t>
             </a:fld>
             <a:endParaRPr lang="en-US" dirty="0"/>
           </a:p>
@@ -2779,7 +2785,7 @@
             <a:fld id="{B61BEF0D-F0BB-DE4B-95CE-6DB70DBA9567}" type="datetimeFigureOut">
               <a:rPr lang="en-US" dirty="0"/>
               <a:pPr/>
-              <a:t>5/13/2020</a:t>
+              <a:t>6/17/2020</a:t>
             </a:fld>
             <a:endParaRPr lang="en-US" dirty="0"/>
           </a:p>
@@ -3026,7 +3032,7 @@
             <a:fld id="{B61BEF0D-F0BB-DE4B-95CE-6DB70DBA9567}" type="datetimeFigureOut">
               <a:rPr lang="en-US" dirty="0"/>
               <a:pPr/>
-              <a:t>5/13/2020</a:t>
+              <a:t>6/17/2020</a:t>
             </a:fld>
             <a:endParaRPr lang="en-US" dirty="0"/>
           </a:p>
@@ -3259,7 +3265,7 @@
             <a:fld id="{B61BEF0D-F0BB-DE4B-95CE-6DB70DBA9567}" type="datetimeFigureOut">
               <a:rPr lang="en-US" dirty="0"/>
               <a:pPr/>
-              <a:t>5/13/2020</a:t>
+              <a:t>6/17/2020</a:t>
             </a:fld>
             <a:endParaRPr lang="en-US" dirty="0"/>
           </a:p>
@@ -3638,7 +3644,7 @@
             <a:fld id="{B61BEF0D-F0BB-DE4B-95CE-6DB70DBA9567}" type="datetimeFigureOut">
               <a:rPr lang="en-US" dirty="0"/>
               <a:pPr/>
-              <a:t>5/13/2020</a:t>
+              <a:t>6/17/2020</a:t>
             </a:fld>
             <a:endParaRPr lang="en-US" dirty="0"/>
           </a:p>
@@ -3753,7 +3759,7 @@
             <a:fld id="{B61BEF0D-F0BB-DE4B-95CE-6DB70DBA9567}" type="datetimeFigureOut">
               <a:rPr lang="en-US" dirty="0"/>
               <a:pPr/>
-              <a:t>5/13/2020</a:t>
+              <a:t>6/17/2020</a:t>
             </a:fld>
             <a:endParaRPr lang="en-US" dirty="0"/>
           </a:p>
@@ -3845,7 +3851,7 @@
             <a:fld id="{B61BEF0D-F0BB-DE4B-95CE-6DB70DBA9567}" type="datetimeFigureOut">
               <a:rPr lang="en-US" dirty="0"/>
               <a:pPr/>
-              <a:t>5/13/2020</a:t>
+              <a:t>6/17/2020</a:t>
             </a:fld>
             <a:endParaRPr lang="en-US" dirty="0"/>
           </a:p>
@@ -4097,7 +4103,7 @@
             <a:fld id="{B61BEF0D-F0BB-DE4B-95CE-6DB70DBA9567}" type="datetimeFigureOut">
               <a:rPr lang="en-US" dirty="0"/>
               <a:pPr/>
-              <a:t>5/13/2020</a:t>
+              <a:t>6/17/2020</a:t>
             </a:fld>
             <a:endParaRPr lang="en-US" dirty="0"/>
           </a:p>
@@ -4377,7 +4383,7 @@
             <a:fld id="{B61BEF0D-F0BB-DE4B-95CE-6DB70DBA9567}" type="datetimeFigureOut">
               <a:rPr lang="en-US" dirty="0"/>
               <a:pPr/>
-              <a:t>5/13/2020</a:t>
+              <a:t>6/17/2020</a:t>
             </a:fld>
             <a:endParaRPr lang="en-US" dirty="0"/>
           </a:p>
@@ -4780,7 +4786,7 @@
             <a:fld id="{B61BEF0D-F0BB-DE4B-95CE-6DB70DBA9567}" type="datetimeFigureOut">
               <a:rPr lang="en-US" dirty="0"/>
               <a:pPr/>
-              <a:t>5/13/2020</a:t>
+              <a:t>6/17/2020</a:t>
             </a:fld>
             <a:endParaRPr lang="en-US" dirty="0"/>
           </a:p>
@@ -5728,21 +5734,71 @@
         </p:spPr>
         <p:txBody>
           <a:bodyPr>
-            <a:normAutofit fontScale="77500" lnSpcReduction="20000"/>
+            <a:normAutofit fontScale="85000" lnSpcReduction="20000"/>
           </a:bodyPr>
           <a:lstStyle/>
           <a:p>
+            <a:pPr marL="0" indent="0">
+              <a:buNone/>
+            </a:pPr>
+            <a:r>
+              <a:rPr lang="en-US" b="1">
+                <a:solidFill>
+                  <a:schemeClr val="tx1"/>
+                </a:solidFill>
+              </a:rPr>
+              <a:t>COMPLETE</a:t>
+            </a:r>
+            <a:endParaRPr lang="en-US" b="1" dirty="0">
+              <a:solidFill>
+                <a:schemeClr val="tx1"/>
+              </a:solidFill>
+            </a:endParaRPr>
+          </a:p>
+          <a:p>
             <a:r>
               <a:rPr lang="en-US" dirty="0">
                 <a:solidFill>
                   <a:schemeClr val="tx1"/>
                 </a:solidFill>
               </a:rPr>
-              <a:t>Complete</a:t>
+              <a:t>Blenderseed &amp; Blender on Linux</a:t>
             </a:r>
           </a:p>
           <a:p>
             <a:pPr lvl="1"/>
+            <a:r>
+              <a:rPr lang="en-US" dirty="0">
+                <a:solidFill>
+                  <a:schemeClr val="tx1"/>
+                </a:solidFill>
+              </a:rPr>
+              <a:t>Docker container to build portable, static Blender &amp; Appleseed</a:t>
+            </a:r>
+          </a:p>
+          <a:p>
+            <a:pPr lvl="1"/>
+            <a:r>
+              <a:rPr lang="en-US" dirty="0">
+                <a:solidFill>
+                  <a:schemeClr val="tx1"/>
+                </a:solidFill>
+              </a:rPr>
+              <a:t>Portable version of Blender as python module</a:t>
+            </a:r>
+          </a:p>
+          <a:p>
+            <a:pPr lvl="1"/>
+            <a:r>
+              <a:rPr lang="en-US" dirty="0">
+                <a:solidFill>
+                  <a:schemeClr val="tx1"/>
+                </a:solidFill>
+              </a:rPr>
+              <a:t>Packaged, portable version of Blenderseed plugin</a:t>
+            </a:r>
+          </a:p>
+          <a:p>
             <a:r>
               <a:rPr lang="en-US" dirty="0">
                 <a:solidFill>
@@ -5753,29 +5809,28 @@
             </a:r>
           </a:p>
           <a:p>
-            <a:pPr lvl="2"/>
+            <a:pPr lvl="1"/>
             <a:r>
               <a:rPr lang="en-US" dirty="0">
                 <a:solidFill>
                   <a:schemeClr val="tx1"/>
                 </a:solidFill>
               </a:rPr>
-              <a:t>Blender setup &amp; rendering</a:t>
-            </a:r>
-          </a:p>
-          <a:p>
-            <a:pPr lvl="2"/>
+              <a:t>Overhauled &amp; improved backend architecture</a:t>
+            </a:r>
+          </a:p>
+          <a:p>
+            <a:pPr lvl="1"/>
             <a:r>
               <a:rPr lang="en-US" dirty="0">
                 <a:solidFill>
                   <a:schemeClr val="tx1"/>
                 </a:solidFill>
               </a:rPr>
-              <a:t>Converting &amp; loading of objects (cameras, meshes..)</a:t>
-            </a:r>
-          </a:p>
-          <a:p>
-            <a:pPr lvl="1"/>
+              <a:t>Multithreaded rendering</a:t>
+            </a:r>
+          </a:p>
+          <a:p>
             <a:r>
               <a:rPr lang="en-US" dirty="0">
                 <a:solidFill>
@@ -5786,7 +5841,7 @@
             </a:r>
           </a:p>
           <a:p>
-            <a:pPr lvl="2"/>
+            <a:pPr lvl="1"/>
             <a:r>
               <a:rPr lang="en-US" dirty="0">
                 <a:solidFill>
@@ -5797,72 +5852,7 @@
             </a:r>
           </a:p>
           <a:p>
-            <a:r>
-              <a:rPr lang="en-US" dirty="0">
-                <a:solidFill>
-                  <a:schemeClr val="tx1"/>
-                </a:solidFill>
-              </a:rPr>
-              <a:t>TODO</a:t>
-            </a:r>
-          </a:p>
-          <a:p>
             <a:pPr lvl="1"/>
-            <a:r>
-              <a:rPr lang="en-US" dirty="0">
-                <a:solidFill>
-                  <a:schemeClr val="tx1"/>
-                </a:solidFill>
-              </a:rPr>
-              <a:t>Python render backend</a:t>
-            </a:r>
-          </a:p>
-          <a:p>
-            <a:pPr lvl="2"/>
-            <a:r>
-              <a:rPr lang="en-US" dirty="0">
-                <a:solidFill>
-                  <a:schemeClr val="tx1"/>
-                </a:solidFill>
-              </a:rPr>
-              <a:t>Compiling, loading and material creation for custom OSL shaders</a:t>
-            </a:r>
-          </a:p>
-          <a:p>
-            <a:pPr lvl="2"/>
-            <a:r>
-              <a:rPr lang="en-US" dirty="0">
-                <a:solidFill>
-                  <a:schemeClr val="tx1"/>
-                </a:solidFill>
-              </a:rPr>
-              <a:t>Recreation of Arnold shaders in OSL</a:t>
-            </a:r>
-          </a:p>
-          <a:p>
-            <a:pPr lvl="1"/>
-            <a:r>
-              <a:rPr lang="en-US" dirty="0">
-                <a:solidFill>
-                  <a:schemeClr val="tx1"/>
-                </a:solidFill>
-              </a:rPr>
-              <a:t>C++ Boost::Python</a:t>
-            </a:r>
-          </a:p>
-          <a:p>
-            <a:pPr lvl="2"/>
-            <a:r>
-              <a:rPr lang="en-US" dirty="0">
-                <a:solidFill>
-                  <a:schemeClr val="tx1"/>
-                </a:solidFill>
-              </a:rPr>
-              <a:t>Completion of C++ to Python bridge and render data transfer</a:t>
-            </a:r>
-          </a:p>
-          <a:p>
-            <a:pPr lvl="2"/>
             <a:r>
               <a:rPr lang="en-US" dirty="0">
                 <a:solidFill>
@@ -5993,8 +5983,8 @@
           <a:lstStyle/>
           <a:p>
             <a:r>
-              <a:rPr lang="en-US" dirty="0" err="1"/>
-              <a:t>cmake</a:t>
+              <a:rPr lang="en-US" dirty="0"/>
+              <a:t>Blender &amp; Appleseed</a:t>
             </a:r>
             <a:endParaRPr lang="de-DE" dirty="0"/>
           </a:p>
@@ -6325,51 +6315,34 @@
           </a:bodyPr>
           <a:lstStyle/>
           <a:p>
+            <a:pPr marL="0" indent="0">
+              <a:buNone/>
+            </a:pPr>
+            <a:r>
+              <a:rPr lang="en-US" b="1" dirty="0">
+                <a:solidFill>
+                  <a:schemeClr val="tx1"/>
+                </a:solidFill>
+              </a:rPr>
+              <a:t>COMPLETE</a:t>
+            </a:r>
+          </a:p>
+          <a:p>
             <a:r>
               <a:rPr lang="en-US" dirty="0">
                 <a:solidFill>
                   <a:schemeClr val="tx1"/>
                 </a:solidFill>
               </a:rPr>
-              <a:t>Complete</a:t>
-            </a:r>
-          </a:p>
-          <a:p>
-            <a:pPr lvl="1"/>
-            <a:r>
-              <a:rPr lang="en-US" dirty="0">
-                <a:solidFill>
-                  <a:schemeClr val="tx1"/>
-                </a:solidFill>
-              </a:rPr>
-              <a:t>Automatic download, build &amp; install of most dependencies</a:t>
-            </a:r>
-          </a:p>
-          <a:p>
-            <a:pPr lvl="1"/>
-            <a:r>
-              <a:rPr lang="en-US" dirty="0">
-                <a:solidFill>
-                  <a:schemeClr val="tx1"/>
-                </a:solidFill>
-              </a:rPr>
-              <a:t>Vastly improved project structure &amp; build tree</a:t>
-            </a:r>
-          </a:p>
-          <a:p>
-            <a:pPr lvl="1"/>
-            <a:r>
-              <a:rPr lang="en-US" dirty="0">
-                <a:solidFill>
-                  <a:schemeClr val="tx1"/>
-                </a:solidFill>
-              </a:rPr>
-              <a:t>Automatic copying of dynamic libraries on Windows</a:t>
-            </a:r>
-          </a:p>
-          <a:p>
-            <a:r>
-              <a:rPr lang="en-US" dirty="0">
+              <a:t>Nothing</a:t>
+            </a:r>
+          </a:p>
+          <a:p>
+            <a:pPr marL="0" indent="0">
+              <a:buNone/>
+            </a:pPr>
+            <a:r>
+              <a:rPr lang="en-US" b="1" dirty="0">
                 <a:solidFill>
                   <a:schemeClr val="tx1"/>
                 </a:solidFill>
@@ -6378,6 +6351,16 @@
             </a:r>
           </a:p>
           <a:p>
+            <a:r>
+              <a:rPr lang="en-US" dirty="0">
+                <a:solidFill>
+                  <a:schemeClr val="tx1"/>
+                </a:solidFill>
+              </a:rPr>
+              <a:t>Python render backend</a:t>
+            </a:r>
+          </a:p>
+          <a:p>
             <a:pPr lvl="1"/>
             <a:r>
               <a:rPr lang="en-US" dirty="0">
@@ -6385,7 +6368,7 @@
                   <a:schemeClr val="tx1"/>
                 </a:solidFill>
               </a:rPr>
-              <a:t>Automatic Blender &amp; Appleseed download, build &amp; install</a:t>
+              <a:t>Compiling, loading and material creation for custom OSL shaders</a:t>
             </a:r>
           </a:p>
           <a:p>
@@ -6396,7 +6379,28 @@
                   <a:schemeClr val="tx1"/>
                 </a:solidFill>
               </a:rPr>
-              <a:t>Automatic copying of Python scripts &amp; package</a:t>
+              <a:t>Recreation of Arnold shaders in OSL</a:t>
+            </a:r>
+          </a:p>
+          <a:p>
+            <a:r>
+              <a:rPr lang="en-US" dirty="0">
+                <a:solidFill>
+                  <a:schemeClr val="tx1"/>
+                </a:solidFill>
+              </a:rPr>
+              <a:t>C++ Boost::Python</a:t>
+            </a:r>
+          </a:p>
+          <a:p>
+            <a:pPr lvl="1"/>
+            <a:r>
+              <a:rPr lang="en-US" dirty="0">
+                <a:solidFill>
+                  <a:schemeClr val="tx1"/>
+                </a:solidFill>
+              </a:rPr>
+              <a:t>Completion of C++ to Python bridge and render data transfer</a:t>
             </a:r>
           </a:p>
         </p:txBody>
@@ -6404,7 +6408,7 @@
     </p:spTree>
     <p:extLst>
       <p:ext uri="{BB962C8B-B14F-4D97-AF65-F5344CB8AC3E}">
-        <p14:creationId xmlns:p14="http://schemas.microsoft.com/office/powerpoint/2010/main" val="1678368401"/>
+        <p14:creationId xmlns:p14="http://schemas.microsoft.com/office/powerpoint/2010/main" val="3081740277"/>
       </p:ext>
     </p:extLst>
   </p:cSld>
@@ -6521,7 +6525,7 @@
           <a:p>
             <a:r>
               <a:rPr lang="en-US" dirty="0"/>
-              <a:t>Other</a:t>
+              <a:t>cmake</a:t>
             </a:r>
             <a:endParaRPr lang="de-DE" dirty="0"/>
           </a:p>
@@ -6852,39 +6856,537 @@
           </a:bodyPr>
           <a:lstStyle/>
           <a:p>
+            <a:pPr marL="0" indent="0">
+              <a:buNone/>
+            </a:pPr>
+            <a:r>
+              <a:rPr lang="en-US" b="1" dirty="0">
+                <a:solidFill>
+                  <a:schemeClr val="tx1"/>
+                </a:solidFill>
+              </a:rPr>
+              <a:t>COMPLETE</a:t>
+            </a:r>
+          </a:p>
+          <a:p>
             <a:r>
               <a:rPr lang="en-US" dirty="0">
                 <a:solidFill>
                   <a:schemeClr val="tx1"/>
                 </a:solidFill>
               </a:rPr>
-              <a:t>Complete</a:t>
-            </a:r>
-          </a:p>
-          <a:p>
-            <a:pPr lvl="1"/>
+              <a:t>Nothing</a:t>
+            </a:r>
+          </a:p>
+          <a:p>
+            <a:pPr marL="0" indent="0">
+              <a:buNone/>
+            </a:pPr>
+            <a:r>
+              <a:rPr lang="en-US" b="1" dirty="0">
+                <a:solidFill>
+                  <a:schemeClr val="tx1"/>
+                </a:solidFill>
+              </a:rPr>
+              <a:t>TODO</a:t>
+            </a:r>
+          </a:p>
+          <a:p>
             <a:r>
               <a:rPr lang="en-US" dirty="0">
                 <a:solidFill>
                   <a:schemeClr val="tx1"/>
                 </a:solidFill>
               </a:rPr>
-              <a:t>Improved project libraries coupling &amp; compiling</a:t>
-            </a:r>
-          </a:p>
-          <a:p>
-            <a:pPr lvl="1"/>
+              <a:t>Automatic Blender &amp; Appleseed download, build &amp; install</a:t>
+            </a:r>
+          </a:p>
+          <a:p>
             <a:r>
               <a:rPr lang="en-US" dirty="0">
                 <a:solidFill>
                   <a:schemeClr val="tx1"/>
                 </a:solidFill>
               </a:rPr>
-              <a:t>Created Blenderseed properties documentation</a:t>
-            </a:r>
-          </a:p>
-          <a:p>
-            <a:pPr lvl="1"/>
+              <a:t>Automatic copying of Python scripts &amp; package</a:t>
+            </a:r>
+          </a:p>
+        </p:txBody>
+      </p:sp>
+    </p:spTree>
+    <p:extLst>
+      <p:ext uri="{BB962C8B-B14F-4D97-AF65-F5344CB8AC3E}">
+        <p14:creationId xmlns:p14="http://schemas.microsoft.com/office/powerpoint/2010/main" val="1678368401"/>
+      </p:ext>
+    </p:extLst>
+  </p:cSld>
+  <p:clrMapOvr>
+    <a:masterClrMapping/>
+  </p:clrMapOvr>
+</p:sld>
+</file>
+
+<file path=ppt/slides/slide4.xml><?xml version="1.0" encoding="utf-8"?>
+<p:sld xmlns:a="http://schemas.openxmlformats.org/drawingml/2006/main" xmlns:r="http://schemas.openxmlformats.org/officeDocument/2006/relationships" xmlns:p="http://schemas.openxmlformats.org/presentationml/2006/main">
+  <p:cSld>
+    <p:spTree>
+      <p:nvGrpSpPr>
+        <p:cNvPr id="1" name=""/>
+        <p:cNvGrpSpPr/>
+        <p:nvPr/>
+      </p:nvGrpSpPr>
+      <p:grpSpPr>
+        <a:xfrm>
+          <a:off x="0" y="0"/>
+          <a:ext cx="0" cy="0"/>
+          <a:chOff x="0" y="0"/>
+          <a:chExt cx="0" cy="0"/>
+        </a:xfrm>
+      </p:grpSpPr>
+      <p:sp useBgFill="1">
+        <p:nvSpPr>
+          <p:cNvPr id="12" name="Rectangle 11">
+            <a:extLst>
+              <a:ext uri="{FF2B5EF4-FFF2-40B4-BE49-F238E27FC236}">
+                <a16:creationId xmlns:a16="http://schemas.microsoft.com/office/drawing/2014/main" id="{CADF2543-1B6F-4FBC-A7AF-53A0430E05AB}"/>
+              </a:ext>
+              <a:ext uri="{C183D7F6-B498-43B3-948B-1728B52AA6E4}">
+                <adec:decorative xmlns:adec="http://schemas.microsoft.com/office/drawing/2017/decorative" val="1"/>
+              </a:ext>
+            </a:extLst>
+          </p:cNvPr>
+          <p:cNvSpPr>
+            <a:spLocks noGrp="1" noRot="1" noChangeAspect="1" noMove="1" noResize="1" noEditPoints="1" noAdjustHandles="1" noChangeArrowheads="1" noChangeShapeType="1" noTextEdit="1"/>
+          </p:cNvSpPr>
+          <p:nvPr>
+            <p:extLst>
+              <p:ext uri="{386F3935-93C4-4BCD-93E2-E3B085C9AB24}">
+                <p16:designElem xmlns:p16="http://schemas.microsoft.com/office/powerpoint/2015/main" val="1"/>
+              </p:ext>
+            </p:extLst>
+          </p:nvPr>
+        </p:nvSpPr>
+        <p:spPr>
+          <a:xfrm>
+            <a:off x="0" y="0"/>
+            <a:ext cx="12192000" cy="6858000"/>
+          </a:xfrm>
+          <a:prstGeom prst="rect">
+            <a:avLst/>
+          </a:prstGeom>
+          <a:ln>
+            <a:noFill/>
+          </a:ln>
+        </p:spPr>
+        <p:style>
+          <a:lnRef idx="2">
+            <a:schemeClr val="accent1">
+              <a:shade val="50000"/>
+            </a:schemeClr>
+          </a:lnRef>
+          <a:fillRef idx="1">
+            <a:schemeClr val="accent1"/>
+          </a:fillRef>
+          <a:effectRef idx="0">
+            <a:schemeClr val="accent1"/>
+          </a:effectRef>
+          <a:fontRef idx="minor">
+            <a:schemeClr val="lt1"/>
+          </a:fontRef>
+        </p:style>
+        <p:txBody>
+          <a:bodyPr rtlCol="0" anchor="ctr"/>
+          <a:lstStyle/>
+          <a:p>
+            <a:pPr algn="ctr"/>
+            <a:endParaRPr lang="en-US"/>
+          </a:p>
+        </p:txBody>
+      </p:sp>
+      <p:sp>
+        <p:nvSpPr>
+          <p:cNvPr id="6" name="Titel 5">
+            <a:extLst>
+              <a:ext uri="{FF2B5EF4-FFF2-40B4-BE49-F238E27FC236}">
+                <a16:creationId xmlns:a16="http://schemas.microsoft.com/office/drawing/2014/main" id="{D17BB091-F5D4-4027-AB5A-A60353385FF8}"/>
+              </a:ext>
+            </a:extLst>
+          </p:cNvPr>
+          <p:cNvSpPr>
+            <a:spLocks noGrp="1"/>
+          </p:cNvSpPr>
+          <p:nvPr>
+            <p:ph type="title"/>
+          </p:nvPr>
+        </p:nvSpPr>
+        <p:spPr>
+          <a:xfrm>
+            <a:off x="684212" y="485244"/>
+            <a:ext cx="8534400" cy="1507067"/>
+          </a:xfrm>
+        </p:spPr>
+        <p:txBody>
+          <a:bodyPr>
+            <a:normAutofit/>
+          </a:bodyPr>
+          <a:lstStyle/>
+          <a:p>
+            <a:r>
+              <a:rPr lang="en-US" dirty="0"/>
+              <a:t>Other</a:t>
+            </a:r>
+            <a:endParaRPr lang="de-DE" dirty="0"/>
+          </a:p>
+        </p:txBody>
+      </p:sp>
+      <p:grpSp>
+        <p:nvGrpSpPr>
+          <p:cNvPr id="14" name="Group 13">
+            <a:extLst>
+              <a:ext uri="{FF2B5EF4-FFF2-40B4-BE49-F238E27FC236}">
+                <a16:creationId xmlns:a16="http://schemas.microsoft.com/office/drawing/2014/main" id="{A80A6E81-6B71-43DF-877B-E964A9A4CB68}"/>
+              </a:ext>
+              <a:ext uri="{C183D7F6-B498-43B3-948B-1728B52AA6E4}">
+                <adec:decorative xmlns:adec="http://schemas.microsoft.com/office/drawing/2017/decorative" val="1"/>
+              </a:ext>
+            </a:extLst>
+          </p:cNvPr>
+          <p:cNvGrpSpPr>
+            <a:grpSpLocks noGrp="1" noUngrp="1" noRot="1" noChangeAspect="1" noMove="1" noResize="1"/>
+          </p:cNvGrpSpPr>
+          <p:nvPr>
+            <p:extLst>
+              <p:ext uri="{386F3935-93C4-4BCD-93E2-E3B085C9AB24}">
+                <p16:designElem xmlns:p16="http://schemas.microsoft.com/office/powerpoint/2015/main" val="1"/>
+              </p:ext>
+            </p:extLst>
+          </p:nvPr>
+        </p:nvGrpSpPr>
+        <p:grpSpPr>
+          <a:xfrm>
+            <a:off x="9206969" y="2963333"/>
+            <a:ext cx="2981858" cy="3208867"/>
+            <a:chOff x="9206969" y="2963333"/>
+            <a:chExt cx="2981858" cy="3208867"/>
+          </a:xfrm>
+        </p:grpSpPr>
+        <p:cxnSp>
+          <p:nvCxnSpPr>
+            <p:cNvPr id="15" name="Straight Connector 14">
+              <a:extLst>
+                <a:ext uri="{FF2B5EF4-FFF2-40B4-BE49-F238E27FC236}">
+                  <a16:creationId xmlns:a16="http://schemas.microsoft.com/office/drawing/2014/main" id="{4E35C3AD-357F-4004-A3F3-2D4EAF34A63D}"/>
+                </a:ext>
+                <a:ext uri="{C183D7F6-B498-43B3-948B-1728B52AA6E4}">
+                  <adec:decorative xmlns:adec="http://schemas.microsoft.com/office/drawing/2017/decorative" val="1"/>
+                </a:ext>
+              </a:extLst>
+            </p:cNvPr>
+            <p:cNvCxnSpPr/>
+            <p:nvPr>
+              <p:extLst>
+                <p:ext uri="{386F3935-93C4-4BCD-93E2-E3B085C9AB24}">
+                  <p16:designElem xmlns:p16="http://schemas.microsoft.com/office/powerpoint/2015/main" val="1"/>
+                </p:ext>
+              </p:extLst>
+            </p:nvPr>
+          </p:nvCxnSpPr>
+          <p:spPr>
+            <a:xfrm flipH="1">
+              <a:off x="11276012" y="2963333"/>
+              <a:ext cx="912814" cy="912812"/>
+            </a:xfrm>
+            <a:prstGeom prst="line">
+              <a:avLst/>
+            </a:prstGeom>
+            <a:ln w="9525">
+              <a:solidFill>
+                <a:schemeClr val="tx2">
+                  <a:lumMod val="75000"/>
+                  <a:alpha val="80000"/>
+                </a:schemeClr>
+              </a:solidFill>
+            </a:ln>
+          </p:spPr>
+          <p:style>
+            <a:lnRef idx="2">
+              <a:schemeClr val="accent1"/>
+            </a:lnRef>
+            <a:fillRef idx="0">
+              <a:schemeClr val="accent1"/>
+            </a:fillRef>
+            <a:effectRef idx="1">
+              <a:schemeClr val="accent1"/>
+            </a:effectRef>
+            <a:fontRef idx="minor">
+              <a:schemeClr val="tx1"/>
+            </a:fontRef>
+          </p:style>
+        </p:cxnSp>
+        <p:cxnSp>
+          <p:nvCxnSpPr>
+            <p:cNvPr id="16" name="Straight Connector 15">
+              <a:extLst>
+                <a:ext uri="{FF2B5EF4-FFF2-40B4-BE49-F238E27FC236}">
+                  <a16:creationId xmlns:a16="http://schemas.microsoft.com/office/drawing/2014/main" id="{337B6032-0A70-4F26-A9A3-B4D60DF11818}"/>
+                </a:ext>
+                <a:ext uri="{C183D7F6-B498-43B3-948B-1728B52AA6E4}">
+                  <adec:decorative xmlns:adec="http://schemas.microsoft.com/office/drawing/2017/decorative" val="1"/>
+                </a:ext>
+              </a:extLst>
+            </p:cNvPr>
+            <p:cNvCxnSpPr/>
+            <p:nvPr>
+              <p:extLst>
+                <p:ext uri="{386F3935-93C4-4BCD-93E2-E3B085C9AB24}">
+                  <p16:designElem xmlns:p16="http://schemas.microsoft.com/office/powerpoint/2015/main" val="1"/>
+                </p:ext>
+              </p:extLst>
+            </p:nvPr>
+          </p:nvCxnSpPr>
+          <p:spPr>
+            <a:xfrm flipH="1">
+              <a:off x="9206969" y="3190344"/>
+              <a:ext cx="2981857" cy="2981856"/>
+            </a:xfrm>
+            <a:prstGeom prst="line">
+              <a:avLst/>
+            </a:prstGeom>
+            <a:ln w="9525">
+              <a:solidFill>
+                <a:schemeClr val="tx2">
+                  <a:lumMod val="75000"/>
+                  <a:alpha val="80000"/>
+                </a:schemeClr>
+              </a:solidFill>
+            </a:ln>
+          </p:spPr>
+          <p:style>
+            <a:lnRef idx="2">
+              <a:schemeClr val="accent1"/>
+            </a:lnRef>
+            <a:fillRef idx="0">
+              <a:schemeClr val="accent1"/>
+            </a:fillRef>
+            <a:effectRef idx="1">
+              <a:schemeClr val="accent1"/>
+            </a:effectRef>
+            <a:fontRef idx="minor">
+              <a:schemeClr val="tx1"/>
+            </a:fontRef>
+          </p:style>
+        </p:cxnSp>
+        <p:cxnSp>
+          <p:nvCxnSpPr>
+            <p:cNvPr id="17" name="Straight Connector 16">
+              <a:extLst>
+                <a:ext uri="{FF2B5EF4-FFF2-40B4-BE49-F238E27FC236}">
+                  <a16:creationId xmlns:a16="http://schemas.microsoft.com/office/drawing/2014/main" id="{DE192CE3-3DD1-448F-93BE-42983DA0D5A9}"/>
+                </a:ext>
+                <a:ext uri="{C183D7F6-B498-43B3-948B-1728B52AA6E4}">
+                  <adec:decorative xmlns:adec="http://schemas.microsoft.com/office/drawing/2017/decorative" val="1"/>
+                </a:ext>
+              </a:extLst>
+            </p:cNvPr>
+            <p:cNvCxnSpPr/>
+            <p:nvPr>
+              <p:extLst>
+                <p:ext uri="{386F3935-93C4-4BCD-93E2-E3B085C9AB24}">
+                  <p16:designElem xmlns:p16="http://schemas.microsoft.com/office/powerpoint/2015/main" val="1"/>
+                </p:ext>
+              </p:extLst>
+            </p:nvPr>
+          </p:nvCxnSpPr>
+          <p:spPr>
+            <a:xfrm flipH="1">
+              <a:off x="10292292" y="3285067"/>
+              <a:ext cx="1896534" cy="1896533"/>
+            </a:xfrm>
+            <a:prstGeom prst="line">
+              <a:avLst/>
+            </a:prstGeom>
+            <a:ln w="9525">
+              <a:solidFill>
+                <a:schemeClr val="tx2">
+                  <a:lumMod val="75000"/>
+                  <a:alpha val="80000"/>
+                </a:schemeClr>
+              </a:solidFill>
+            </a:ln>
+          </p:spPr>
+          <p:style>
+            <a:lnRef idx="2">
+              <a:schemeClr val="accent1"/>
+            </a:lnRef>
+            <a:fillRef idx="0">
+              <a:schemeClr val="accent1"/>
+            </a:fillRef>
+            <a:effectRef idx="1">
+              <a:schemeClr val="accent1"/>
+            </a:effectRef>
+            <a:fontRef idx="minor">
+              <a:schemeClr val="tx1"/>
+            </a:fontRef>
+          </p:style>
+        </p:cxnSp>
+        <p:cxnSp>
+          <p:nvCxnSpPr>
+            <p:cNvPr id="18" name="Straight Connector 17">
+              <a:extLst>
+                <a:ext uri="{FF2B5EF4-FFF2-40B4-BE49-F238E27FC236}">
+                  <a16:creationId xmlns:a16="http://schemas.microsoft.com/office/drawing/2014/main" id="{E6D3DA09-5C72-4562-BEDE-1937DF87E81D}"/>
+                </a:ext>
+                <a:ext uri="{C183D7F6-B498-43B3-948B-1728B52AA6E4}">
+                  <adec:decorative xmlns:adec="http://schemas.microsoft.com/office/drawing/2017/decorative" val="1"/>
+                </a:ext>
+              </a:extLst>
+            </p:cNvPr>
+            <p:cNvCxnSpPr/>
+            <p:nvPr>
+              <p:extLst>
+                <p:ext uri="{386F3935-93C4-4BCD-93E2-E3B085C9AB24}">
+                  <p16:designElem xmlns:p16="http://schemas.microsoft.com/office/powerpoint/2015/main" val="1"/>
+                </p:ext>
+              </p:extLst>
+            </p:nvPr>
+          </p:nvCxnSpPr>
+          <p:spPr>
+            <a:xfrm flipH="1">
+              <a:off x="10443103" y="3131080"/>
+              <a:ext cx="1745722" cy="1745720"/>
+            </a:xfrm>
+            <a:prstGeom prst="line">
+              <a:avLst/>
+            </a:prstGeom>
+            <a:ln w="28575">
+              <a:solidFill>
+                <a:schemeClr val="tx2">
+                  <a:lumMod val="75000"/>
+                  <a:alpha val="80000"/>
+                </a:schemeClr>
+              </a:solidFill>
+            </a:ln>
+          </p:spPr>
+          <p:style>
+            <a:lnRef idx="2">
+              <a:schemeClr val="accent1"/>
+            </a:lnRef>
+            <a:fillRef idx="0">
+              <a:schemeClr val="accent1"/>
+            </a:fillRef>
+            <a:effectRef idx="1">
+              <a:schemeClr val="accent1"/>
+            </a:effectRef>
+            <a:fontRef idx="minor">
+              <a:schemeClr val="tx1"/>
+            </a:fontRef>
+          </p:style>
+        </p:cxnSp>
+        <p:cxnSp>
+          <p:nvCxnSpPr>
+            <p:cNvPr id="19" name="Straight Connector 18">
+              <a:extLst>
+                <a:ext uri="{FF2B5EF4-FFF2-40B4-BE49-F238E27FC236}">
+                  <a16:creationId xmlns:a16="http://schemas.microsoft.com/office/drawing/2014/main" id="{D6ACA7CA-2A20-49D7-9053-E076463D79A3}"/>
+                </a:ext>
+                <a:ext uri="{C183D7F6-B498-43B3-948B-1728B52AA6E4}">
+                  <adec:decorative xmlns:adec="http://schemas.microsoft.com/office/drawing/2017/decorative" val="1"/>
+                </a:ext>
+              </a:extLst>
+            </p:cNvPr>
+            <p:cNvCxnSpPr/>
+            <p:nvPr>
+              <p:extLst>
+                <p:ext uri="{386F3935-93C4-4BCD-93E2-E3B085C9AB24}">
+                  <p16:designElem xmlns:p16="http://schemas.microsoft.com/office/powerpoint/2015/main" val="1"/>
+                </p:ext>
+              </p:extLst>
+            </p:nvPr>
+          </p:nvCxnSpPr>
+          <p:spPr>
+            <a:xfrm flipH="1">
+              <a:off x="10918826" y="3683001"/>
+              <a:ext cx="1270001" cy="1269999"/>
+            </a:xfrm>
+            <a:prstGeom prst="line">
+              <a:avLst/>
+            </a:prstGeom>
+            <a:ln w="28575">
+              <a:solidFill>
+                <a:schemeClr val="tx2">
+                  <a:lumMod val="75000"/>
+                  <a:alpha val="80000"/>
+                </a:schemeClr>
+              </a:solidFill>
+            </a:ln>
+          </p:spPr>
+          <p:style>
+            <a:lnRef idx="2">
+              <a:schemeClr val="accent1"/>
+            </a:lnRef>
+            <a:fillRef idx="0">
+              <a:schemeClr val="accent1"/>
+            </a:fillRef>
+            <a:effectRef idx="1">
+              <a:schemeClr val="accent1"/>
+            </a:effectRef>
+            <a:fontRef idx="minor">
+              <a:schemeClr val="tx1"/>
+            </a:fontRef>
+          </p:style>
+        </p:cxnSp>
+      </p:grpSp>
+      <p:sp>
+        <p:nvSpPr>
+          <p:cNvPr id="7" name="Inhaltsplatzhalter 6">
+            <a:extLst>
+              <a:ext uri="{FF2B5EF4-FFF2-40B4-BE49-F238E27FC236}">
+                <a16:creationId xmlns:a16="http://schemas.microsoft.com/office/drawing/2014/main" id="{6DF930D9-D316-4F04-A271-B67E4669A0B3}"/>
+              </a:ext>
+            </a:extLst>
+          </p:cNvPr>
+          <p:cNvSpPr>
+            <a:spLocks noGrp="1"/>
+          </p:cNvSpPr>
+          <p:nvPr>
+            <p:ph idx="1"/>
+          </p:nvPr>
+        </p:nvSpPr>
+        <p:spPr>
+          <a:xfrm>
+            <a:off x="684212" y="2068511"/>
+            <a:ext cx="8534400" cy="3615267"/>
+          </a:xfrm>
+        </p:spPr>
+        <p:txBody>
+          <a:bodyPr>
+            <a:normAutofit/>
+          </a:bodyPr>
+          <a:lstStyle/>
+          <a:p>
+            <a:pPr marL="0" indent="0">
+              <a:buNone/>
+            </a:pPr>
+            <a:r>
+              <a:rPr lang="en-US" b="1" dirty="0">
+                <a:solidFill>
+                  <a:schemeClr val="tx1"/>
+                </a:solidFill>
+              </a:rPr>
+              <a:t>COMPLETE</a:t>
+            </a:r>
+          </a:p>
+          <a:p>
+            <a:r>
+              <a:rPr lang="en-US" dirty="0">
+                <a:solidFill>
+                  <a:schemeClr val="tx1"/>
+                </a:solidFill>
+              </a:rPr>
+              <a:t>Extended documentation</a:t>
+            </a:r>
+          </a:p>
+          <a:p>
             <a:r>
               <a:rPr lang="en-US" dirty="0">
                 <a:solidFill>
@@ -6895,8 +7397,11 @@
             </a:r>
           </a:p>
           <a:p>
-            <a:r>
-              <a:rPr lang="en-US" dirty="0">
+            <a:pPr marL="0" indent="0">
+              <a:buNone/>
+            </a:pPr>
+            <a:r>
+              <a:rPr lang="en-US" b="1" dirty="0">
                 <a:solidFill>
                   <a:schemeClr val="tx1"/>
                 </a:solidFill>
@@ -6905,14 +7410,13 @@
             </a:r>
           </a:p>
           <a:p>
-            <a:pPr lvl="1"/>
             <a:r>
               <a:rPr lang="en-US" dirty="0">
                 <a:solidFill>
                   <a:schemeClr val="tx1"/>
                 </a:solidFill>
               </a:rPr>
-              <a:t>Nothing!</a:t>
+              <a:t>Nothing</a:t>
             </a:r>
           </a:p>
         </p:txBody>

--- a/doc/Status.pptx
+++ b/doc/Status.pptx
@@ -307,7 +307,7 @@
             <a:fld id="{B61BEF0D-F0BB-DE4B-95CE-6DB70DBA9567}" type="datetimeFigureOut">
               <a:rPr lang="en-US" dirty="0"/>
               <a:pPr/>
-              <a:t>6/17/2020</a:t>
+              <a:t>7/7/2020</a:t>
             </a:fld>
             <a:endParaRPr lang="en-US" dirty="0"/>
           </a:p>
@@ -740,7 +740,7 @@
             <a:fld id="{B61BEF0D-F0BB-DE4B-95CE-6DB70DBA9567}" type="datetimeFigureOut">
               <a:rPr lang="en-US" dirty="0"/>
               <a:pPr/>
-              <a:t>6/17/2020</a:t>
+              <a:t>7/7/2020</a:t>
             </a:fld>
             <a:endParaRPr lang="en-US" dirty="0"/>
           </a:p>
@@ -987,7 +987,7 @@
             <a:fld id="{B61BEF0D-F0BB-DE4B-95CE-6DB70DBA9567}" type="datetimeFigureOut">
               <a:rPr lang="en-US" dirty="0"/>
               <a:pPr/>
-              <a:t>6/17/2020</a:t>
+              <a:t>7/7/2020</a:t>
             </a:fld>
             <a:endParaRPr lang="en-US" dirty="0"/>
           </a:p>
@@ -1292,7 +1292,7 @@
             <a:fld id="{B61BEF0D-F0BB-DE4B-95CE-6DB70DBA9567}" type="datetimeFigureOut">
               <a:rPr lang="en-US" dirty="0"/>
               <a:pPr/>
-              <a:t>6/17/2020</a:t>
+              <a:t>7/7/2020</a:t>
             </a:fld>
             <a:endParaRPr lang="en-US" dirty="0"/>
           </a:p>
@@ -1607,7 +1607,7 @@
             <a:fld id="{B61BEF0D-F0BB-DE4B-95CE-6DB70DBA9567}" type="datetimeFigureOut">
               <a:rPr lang="en-US" dirty="0"/>
               <a:pPr/>
-              <a:t>6/17/2020</a:t>
+              <a:t>7/7/2020</a:t>
             </a:fld>
             <a:endParaRPr lang="en-US" dirty="0"/>
           </a:p>
@@ -1906,7 +1906,7 @@
             <a:fld id="{B61BEF0D-F0BB-DE4B-95CE-6DB70DBA9567}" type="datetimeFigureOut">
               <a:rPr lang="en-US" dirty="0"/>
               <a:pPr/>
-              <a:t>6/17/2020</a:t>
+              <a:t>7/7/2020</a:t>
             </a:fld>
             <a:endParaRPr lang="en-US" dirty="0"/>
           </a:p>
@@ -2270,7 +2270,7 @@
             <a:fld id="{B61BEF0D-F0BB-DE4B-95CE-6DB70DBA9567}" type="datetimeFigureOut">
               <a:rPr lang="en-US" dirty="0"/>
               <a:pPr/>
-              <a:t>6/17/2020</a:t>
+              <a:t>7/7/2020</a:t>
             </a:fld>
             <a:endParaRPr lang="en-US" dirty="0"/>
           </a:p>
@@ -2441,7 +2441,7 @@
             <a:fld id="{B61BEF0D-F0BB-DE4B-95CE-6DB70DBA9567}" type="datetimeFigureOut">
               <a:rPr lang="en-US" dirty="0"/>
               <a:pPr/>
-              <a:t>6/17/2020</a:t>
+              <a:t>7/7/2020</a:t>
             </a:fld>
             <a:endParaRPr lang="en-US" dirty="0"/>
           </a:p>
@@ -2618,7 +2618,7 @@
             <a:fld id="{B61BEF0D-F0BB-DE4B-95CE-6DB70DBA9567}" type="datetimeFigureOut">
               <a:rPr lang="en-US" dirty="0"/>
               <a:pPr/>
-              <a:t>6/17/2020</a:t>
+              <a:t>7/7/2020</a:t>
             </a:fld>
             <a:endParaRPr lang="en-US" dirty="0"/>
           </a:p>
@@ -2785,7 +2785,7 @@
             <a:fld id="{B61BEF0D-F0BB-DE4B-95CE-6DB70DBA9567}" type="datetimeFigureOut">
               <a:rPr lang="en-US" dirty="0"/>
               <a:pPr/>
-              <a:t>6/17/2020</a:t>
+              <a:t>7/7/2020</a:t>
             </a:fld>
             <a:endParaRPr lang="en-US" dirty="0"/>
           </a:p>
@@ -3032,7 +3032,7 @@
             <a:fld id="{B61BEF0D-F0BB-DE4B-95CE-6DB70DBA9567}" type="datetimeFigureOut">
               <a:rPr lang="en-US" dirty="0"/>
               <a:pPr/>
-              <a:t>6/17/2020</a:t>
+              <a:t>7/7/2020</a:t>
             </a:fld>
             <a:endParaRPr lang="en-US" dirty="0"/>
           </a:p>
@@ -3265,7 +3265,7 @@
             <a:fld id="{B61BEF0D-F0BB-DE4B-95CE-6DB70DBA9567}" type="datetimeFigureOut">
               <a:rPr lang="en-US" dirty="0"/>
               <a:pPr/>
-              <a:t>6/17/2020</a:t>
+              <a:t>7/7/2020</a:t>
             </a:fld>
             <a:endParaRPr lang="en-US" dirty="0"/>
           </a:p>
@@ -3644,7 +3644,7 @@
             <a:fld id="{B61BEF0D-F0BB-DE4B-95CE-6DB70DBA9567}" type="datetimeFigureOut">
               <a:rPr lang="en-US" dirty="0"/>
               <a:pPr/>
-              <a:t>6/17/2020</a:t>
+              <a:t>7/7/2020</a:t>
             </a:fld>
             <a:endParaRPr lang="en-US" dirty="0"/>
           </a:p>
@@ -3759,7 +3759,7 @@
             <a:fld id="{B61BEF0D-F0BB-DE4B-95CE-6DB70DBA9567}" type="datetimeFigureOut">
               <a:rPr lang="en-US" dirty="0"/>
               <a:pPr/>
-              <a:t>6/17/2020</a:t>
+              <a:t>7/7/2020</a:t>
             </a:fld>
             <a:endParaRPr lang="en-US" dirty="0"/>
           </a:p>
@@ -3851,7 +3851,7 @@
             <a:fld id="{B61BEF0D-F0BB-DE4B-95CE-6DB70DBA9567}" type="datetimeFigureOut">
               <a:rPr lang="en-US" dirty="0"/>
               <a:pPr/>
-              <a:t>6/17/2020</a:t>
+              <a:t>7/7/2020</a:t>
             </a:fld>
             <a:endParaRPr lang="en-US" dirty="0"/>
           </a:p>
@@ -4103,7 +4103,7 @@
             <a:fld id="{B61BEF0D-F0BB-DE4B-95CE-6DB70DBA9567}" type="datetimeFigureOut">
               <a:rPr lang="en-US" dirty="0"/>
               <a:pPr/>
-              <a:t>6/17/2020</a:t>
+              <a:t>7/7/2020</a:t>
             </a:fld>
             <a:endParaRPr lang="en-US" dirty="0"/>
           </a:p>
@@ -4383,7 +4383,7 @@
             <a:fld id="{B61BEF0D-F0BB-DE4B-95CE-6DB70DBA9567}" type="datetimeFigureOut">
               <a:rPr lang="en-US" dirty="0"/>
               <a:pPr/>
-              <a:t>6/17/2020</a:t>
+              <a:t>7/7/2020</a:t>
             </a:fld>
             <a:endParaRPr lang="en-US" dirty="0"/>
           </a:p>
@@ -4786,7 +4786,7 @@
             <a:fld id="{B61BEF0D-F0BB-DE4B-95CE-6DB70DBA9567}" type="datetimeFigureOut">
               <a:rPr lang="en-US" dirty="0"/>
               <a:pPr/>
-              <a:t>6/17/2020</a:t>
+              <a:t>7/7/2020</a:t>
             </a:fld>
             <a:endParaRPr lang="en-US" dirty="0"/>
           </a:p>
@@ -5407,7 +5407,7 @@
           <a:p>
             <a:r>
               <a:rPr lang="en-US" dirty="0"/>
-              <a:t>Blender &amp; Appleseed</a:t>
+              <a:t>Blender &amp; Python Module</a:t>
             </a:r>
             <a:endParaRPr lang="de-DE" dirty="0"/>
           </a:p>
@@ -5734,7 +5734,7 @@
         </p:spPr>
         <p:txBody>
           <a:bodyPr>
-            <a:normAutofit fontScale="85000" lnSpcReduction="20000"/>
+            <a:normAutofit fontScale="62500" lnSpcReduction="20000"/>
           </a:bodyPr>
           <a:lstStyle/>
           <a:p>
@@ -5742,18 +5742,13 @@
               <a:buNone/>
             </a:pPr>
             <a:r>
-              <a:rPr lang="en-US" b="1">
+              <a:rPr lang="en-US" b="1" dirty="0">
                 <a:solidFill>
                   <a:schemeClr val="tx1"/>
                 </a:solidFill>
               </a:rPr>
               <a:t>COMPLETE</a:t>
             </a:r>
-            <a:endParaRPr lang="en-US" b="1" dirty="0">
-              <a:solidFill>
-                <a:schemeClr val="tx1"/>
-              </a:solidFill>
-            </a:endParaRPr>
           </a:p>
           <a:p>
             <a:r>
@@ -5816,7 +5811,7 @@
                   <a:schemeClr val="tx1"/>
                 </a:solidFill>
               </a:rPr>
-              <a:t>Overhauled &amp; improved backend architecture</a:t>
+              <a:t>Overhauled &amp; improved architecture</a:t>
             </a:r>
           </a:p>
           <a:p>
@@ -5859,7 +5854,30 @@
                   <a:schemeClr val="tx1"/>
                 </a:solidFill>
               </a:rPr>
-              <a:t>Improvement of debugging runtime performance</a:t>
+              <a:t>Big improvements to debugging runtime performance</a:t>
+            </a:r>
+          </a:p>
+          <a:p>
+            <a:pPr marL="0" indent="0">
+              <a:buNone/>
+            </a:pPr>
+            <a:r>
+              <a:rPr lang="en-US" b="1" dirty="0">
+                <a:solidFill>
+                  <a:schemeClr val="tx1"/>
+                </a:solidFill>
+              </a:rPr>
+              <a:t>TODO</a:t>
+            </a:r>
+          </a:p>
+          <a:p>
+            <a:r>
+              <a:rPr lang="en-US" dirty="0">
+                <a:solidFill>
+                  <a:schemeClr val="tx1"/>
+                </a:solidFill>
+              </a:rPr>
+              <a:t>Nothing</a:t>
             </a:r>
           </a:p>
         </p:txBody>
@@ -5984,7 +6002,7 @@
           <a:p>
             <a:r>
               <a:rPr lang="en-US" dirty="0"/>
-              <a:t>Blender &amp; Appleseed</a:t>
+              <a:t>Appleseed &amp; Rendering</a:t>
             </a:r>
             <a:endParaRPr lang="de-DE" dirty="0"/>
           </a:p>
@@ -6311,7 +6329,7 @@
         </p:spPr>
         <p:txBody>
           <a:bodyPr>
-            <a:normAutofit/>
+            <a:normAutofit fontScale="77500" lnSpcReduction="20000"/>
           </a:bodyPr>
           <a:lstStyle/>
           <a:p>
@@ -6334,7 +6352,51 @@
                   <a:schemeClr val="tx1"/>
                 </a:solidFill>
               </a:rPr>
-              <a:t>Nothing</a:t>
+              <a:t>Python render backend</a:t>
+            </a:r>
+          </a:p>
+          <a:p>
+            <a:pPr lvl="1"/>
+            <a:r>
+              <a:rPr lang="en-US" dirty="0">
+                <a:solidFill>
+                  <a:schemeClr val="tx1"/>
+                </a:solidFill>
+              </a:rPr>
+              <a:t>Compiling, loading and material creation for custom OSL shaders</a:t>
+            </a:r>
+          </a:p>
+          <a:p>
+            <a:pPr lvl="1"/>
+            <a:r>
+              <a:rPr lang="en-US" dirty="0">
+                <a:solidFill>
+                  <a:schemeClr val="tx1"/>
+                </a:solidFill>
+              </a:rPr>
+              <a:t>Converting, loading and binding of textures</a:t>
+            </a:r>
+          </a:p>
+          <a:p>
+            <a:pPr lvl="1"/>
+            <a:r>
+              <a:rPr lang="en-US" dirty="0">
+                <a:solidFill>
+                  <a:schemeClr val="tx1"/>
+                </a:solidFill>
+              </a:rPr>
+              <a:t>Custom renderfile format for effective scene creation &amp; translation</a:t>
+            </a:r>
+          </a:p>
+          <a:p>
+            <a:pPr lvl="1"/>
+            <a:r>
+              <a:rPr lang="en-US" dirty="0">
+                <a:solidFill>
+                  <a:schemeClr val="tx1"/>
+                </a:solidFill>
+              </a:rPr>
+              <a:t>Object creation, instancing &amp; lifetime handling</a:t>
             </a:r>
           </a:p>
           <a:p>
@@ -6368,17 +6430,6 @@
                   <a:schemeClr val="tx1"/>
                 </a:solidFill>
               </a:rPr>
-              <a:t>Compiling, loading and material creation for custom OSL shaders</a:t>
-            </a:r>
-          </a:p>
-          <a:p>
-            <a:pPr lvl="1"/>
-            <a:r>
-              <a:rPr lang="en-US" dirty="0">
-                <a:solidFill>
-                  <a:schemeClr val="tx1"/>
-                </a:solidFill>
-              </a:rPr>
               <a:t>Recreation of Arnold shaders in OSL</a:t>
             </a:r>
           </a:p>
@@ -6400,7 +6451,18 @@
                   <a:schemeClr val="tx1"/>
                 </a:solidFill>
               </a:rPr>
-              <a:t>Completion of C++ to Python bridge and render data transfer</a:t>
+              <a:t>Creation of renderfile from existing classes &amp; data in C++</a:t>
+            </a:r>
+          </a:p>
+          <a:p>
+            <a:pPr lvl="1"/>
+            <a:r>
+              <a:rPr lang="en-US" dirty="0">
+                <a:solidFill>
+                  <a:schemeClr val="tx1"/>
+                </a:solidFill>
+              </a:rPr>
+              <a:t>Transport of renderfile from C++ to Python module</a:t>
             </a:r>
           </a:p>
         </p:txBody>

--- a/doc/Status.pptx
+++ b/doc/Status.pptx
@@ -307,7 +307,7 @@
             <a:fld id="{B61BEF0D-F0BB-DE4B-95CE-6DB70DBA9567}" type="datetimeFigureOut">
               <a:rPr lang="en-US" dirty="0"/>
               <a:pPr/>
-              <a:t>7/7/2020</a:t>
+              <a:t>8/21/2020</a:t>
             </a:fld>
             <a:endParaRPr lang="en-US" dirty="0"/>
           </a:p>
@@ -740,7 +740,7 @@
             <a:fld id="{B61BEF0D-F0BB-DE4B-95CE-6DB70DBA9567}" type="datetimeFigureOut">
               <a:rPr lang="en-US" dirty="0"/>
               <a:pPr/>
-              <a:t>7/7/2020</a:t>
+              <a:t>8/21/2020</a:t>
             </a:fld>
             <a:endParaRPr lang="en-US" dirty="0"/>
           </a:p>
@@ -987,7 +987,7 @@
             <a:fld id="{B61BEF0D-F0BB-DE4B-95CE-6DB70DBA9567}" type="datetimeFigureOut">
               <a:rPr lang="en-US" dirty="0"/>
               <a:pPr/>
-              <a:t>7/7/2020</a:t>
+              <a:t>8/21/2020</a:t>
             </a:fld>
             <a:endParaRPr lang="en-US" dirty="0"/>
           </a:p>
@@ -1292,7 +1292,7 @@
             <a:fld id="{B61BEF0D-F0BB-DE4B-95CE-6DB70DBA9567}" type="datetimeFigureOut">
               <a:rPr lang="en-US" dirty="0"/>
               <a:pPr/>
-              <a:t>7/7/2020</a:t>
+              <a:t>8/21/2020</a:t>
             </a:fld>
             <a:endParaRPr lang="en-US" dirty="0"/>
           </a:p>
@@ -1607,7 +1607,7 @@
             <a:fld id="{B61BEF0D-F0BB-DE4B-95CE-6DB70DBA9567}" type="datetimeFigureOut">
               <a:rPr lang="en-US" dirty="0"/>
               <a:pPr/>
-              <a:t>7/7/2020</a:t>
+              <a:t>8/21/2020</a:t>
             </a:fld>
             <a:endParaRPr lang="en-US" dirty="0"/>
           </a:p>
@@ -1906,7 +1906,7 @@
             <a:fld id="{B61BEF0D-F0BB-DE4B-95CE-6DB70DBA9567}" type="datetimeFigureOut">
               <a:rPr lang="en-US" dirty="0"/>
               <a:pPr/>
-              <a:t>7/7/2020</a:t>
+              <a:t>8/21/2020</a:t>
             </a:fld>
             <a:endParaRPr lang="en-US" dirty="0"/>
           </a:p>
@@ -2270,7 +2270,7 @@
             <a:fld id="{B61BEF0D-F0BB-DE4B-95CE-6DB70DBA9567}" type="datetimeFigureOut">
               <a:rPr lang="en-US" dirty="0"/>
               <a:pPr/>
-              <a:t>7/7/2020</a:t>
+              <a:t>8/21/2020</a:t>
             </a:fld>
             <a:endParaRPr lang="en-US" dirty="0"/>
           </a:p>
@@ -2441,7 +2441,7 @@
             <a:fld id="{B61BEF0D-F0BB-DE4B-95CE-6DB70DBA9567}" type="datetimeFigureOut">
               <a:rPr lang="en-US" dirty="0"/>
               <a:pPr/>
-              <a:t>7/7/2020</a:t>
+              <a:t>8/21/2020</a:t>
             </a:fld>
             <a:endParaRPr lang="en-US" dirty="0"/>
           </a:p>
@@ -2618,7 +2618,7 @@
             <a:fld id="{B61BEF0D-F0BB-DE4B-95CE-6DB70DBA9567}" type="datetimeFigureOut">
               <a:rPr lang="en-US" dirty="0"/>
               <a:pPr/>
-              <a:t>7/7/2020</a:t>
+              <a:t>8/21/2020</a:t>
             </a:fld>
             <a:endParaRPr lang="en-US" dirty="0"/>
           </a:p>
@@ -2785,7 +2785,7 @@
             <a:fld id="{B61BEF0D-F0BB-DE4B-95CE-6DB70DBA9567}" type="datetimeFigureOut">
               <a:rPr lang="en-US" dirty="0"/>
               <a:pPr/>
-              <a:t>7/7/2020</a:t>
+              <a:t>8/21/2020</a:t>
             </a:fld>
             <a:endParaRPr lang="en-US" dirty="0"/>
           </a:p>
@@ -3032,7 +3032,7 @@
             <a:fld id="{B61BEF0D-F0BB-DE4B-95CE-6DB70DBA9567}" type="datetimeFigureOut">
               <a:rPr lang="en-US" dirty="0"/>
               <a:pPr/>
-              <a:t>7/7/2020</a:t>
+              <a:t>8/21/2020</a:t>
             </a:fld>
             <a:endParaRPr lang="en-US" dirty="0"/>
           </a:p>
@@ -3265,7 +3265,7 @@
             <a:fld id="{B61BEF0D-F0BB-DE4B-95CE-6DB70DBA9567}" type="datetimeFigureOut">
               <a:rPr lang="en-US" dirty="0"/>
               <a:pPr/>
-              <a:t>7/7/2020</a:t>
+              <a:t>8/21/2020</a:t>
             </a:fld>
             <a:endParaRPr lang="en-US" dirty="0"/>
           </a:p>
@@ -3644,7 +3644,7 @@
             <a:fld id="{B61BEF0D-F0BB-DE4B-95CE-6DB70DBA9567}" type="datetimeFigureOut">
               <a:rPr lang="en-US" dirty="0"/>
               <a:pPr/>
-              <a:t>7/7/2020</a:t>
+              <a:t>8/21/2020</a:t>
             </a:fld>
             <a:endParaRPr lang="en-US" dirty="0"/>
           </a:p>
@@ -3759,7 +3759,7 @@
             <a:fld id="{B61BEF0D-F0BB-DE4B-95CE-6DB70DBA9567}" type="datetimeFigureOut">
               <a:rPr lang="en-US" dirty="0"/>
               <a:pPr/>
-              <a:t>7/7/2020</a:t>
+              <a:t>8/21/2020</a:t>
             </a:fld>
             <a:endParaRPr lang="en-US" dirty="0"/>
           </a:p>
@@ -3851,7 +3851,7 @@
             <a:fld id="{B61BEF0D-F0BB-DE4B-95CE-6DB70DBA9567}" type="datetimeFigureOut">
               <a:rPr lang="en-US" dirty="0"/>
               <a:pPr/>
-              <a:t>7/7/2020</a:t>
+              <a:t>8/21/2020</a:t>
             </a:fld>
             <a:endParaRPr lang="en-US" dirty="0"/>
           </a:p>
@@ -4103,7 +4103,7 @@
             <a:fld id="{B61BEF0D-F0BB-DE4B-95CE-6DB70DBA9567}" type="datetimeFigureOut">
               <a:rPr lang="en-US" dirty="0"/>
               <a:pPr/>
-              <a:t>7/7/2020</a:t>
+              <a:t>8/21/2020</a:t>
             </a:fld>
             <a:endParaRPr lang="en-US" dirty="0"/>
           </a:p>
@@ -4383,7 +4383,7 @@
             <a:fld id="{B61BEF0D-F0BB-DE4B-95CE-6DB70DBA9567}" type="datetimeFigureOut">
               <a:rPr lang="en-US" dirty="0"/>
               <a:pPr/>
-              <a:t>7/7/2020</a:t>
+              <a:t>8/21/2020</a:t>
             </a:fld>
             <a:endParaRPr lang="en-US" dirty="0"/>
           </a:p>
@@ -4786,7 +4786,7 @@
             <a:fld id="{B61BEF0D-F0BB-DE4B-95CE-6DB70DBA9567}" type="datetimeFigureOut">
               <a:rPr lang="en-US" dirty="0"/>
               <a:pPr/>
-              <a:t>7/7/2020</a:t>
+              <a:t>8/21/2020</a:t>
             </a:fld>
             <a:endParaRPr lang="en-US" dirty="0"/>
           </a:p>
@@ -5822,8 +5822,40 @@
                   <a:schemeClr val="tx1"/>
                 </a:solidFill>
               </a:rPr>
-              <a:t>Multithreaded rendering</a:t>
-            </a:r>
+              <a:t>Process based multithreaded &amp; batched rendering</a:t>
+            </a:r>
+          </a:p>
+          <a:p>
+            <a:pPr lvl="1"/>
+            <a:r>
+              <a:rPr lang="en-US" dirty="0" err="1">
+                <a:solidFill>
+                  <a:schemeClr val="tx1"/>
+                </a:solidFill>
+              </a:rPr>
+              <a:t>Renderfile</a:t>
+            </a:r>
+            <a:r>
+              <a:rPr lang="en-US" dirty="0">
+                <a:solidFill>
+                  <a:schemeClr val="tx1"/>
+                </a:solidFill>
+              </a:rPr>
+              <a:t> updating to prevent </a:t>
+            </a:r>
+            <a:r>
+              <a:rPr lang="en-US">
+                <a:solidFill>
+                  <a:schemeClr val="tx1"/>
+                </a:solidFill>
+              </a:rPr>
+              <a:t>reload performance hit</a:t>
+            </a:r>
+            <a:endParaRPr lang="en-US" dirty="0">
+              <a:solidFill>
+                <a:schemeClr val="tx1"/>
+              </a:solidFill>
+            </a:endParaRPr>
           </a:p>
           <a:p>
             <a:r>
@@ -6329,7 +6361,7 @@
         </p:spPr>
         <p:txBody>
           <a:bodyPr>
-            <a:normAutofit fontScale="77500" lnSpcReduction="20000"/>
+            <a:normAutofit fontScale="62500" lnSpcReduction="20000"/>
           </a:bodyPr>
           <a:lstStyle/>
           <a:p>
@@ -6400,6 +6432,49 @@
             </a:r>
           </a:p>
           <a:p>
+            <a:pPr lvl="1"/>
+            <a:r>
+              <a:rPr lang="en-US" dirty="0">
+                <a:solidFill>
+                  <a:schemeClr val="tx1"/>
+                </a:solidFill>
+              </a:rPr>
+              <a:t>Recreation of Arnold shaders in OSL</a:t>
+            </a:r>
+          </a:p>
+          <a:p>
+            <a:r>
+              <a:rPr lang="en-US" dirty="0">
+                <a:solidFill>
+                  <a:schemeClr val="tx1"/>
+                </a:solidFill>
+              </a:rPr>
+              <a:t>C++ Boost::Python</a:t>
+            </a:r>
+          </a:p>
+          <a:p>
+            <a:pPr lvl="1"/>
+            <a:r>
+              <a:rPr lang="en-US" dirty="0">
+                <a:solidFill>
+                  <a:schemeClr val="tx1"/>
+                </a:solidFill>
+              </a:rPr>
+              <a:t>Creation of renderfile from existing classes &amp; data in C++</a:t>
+            </a:r>
+          </a:p>
+          <a:p>
+            <a:pPr lvl="1"/>
+            <a:r>
+              <a:rPr lang="en-US" dirty="0">
+                <a:solidFill>
+                  <a:schemeClr val="tx1"/>
+                </a:solidFill>
+              </a:rPr>
+              <a:t>Transport of renderfile from C++ to Python module</a:t>
+            </a:r>
+          </a:p>
+          <a:p>
             <a:pPr marL="0" indent="0">
               <a:buNone/>
             </a:pPr>
@@ -6419,7 +6494,7 @@
                   <a:schemeClr val="tx1"/>
                 </a:solidFill>
               </a:rPr>
-              <a:t>Python render backend</a:t>
+              <a:t>Python &amp; C++</a:t>
             </a:r>
           </a:p>
           <a:p>
@@ -6430,39 +6505,18 @@
                   <a:schemeClr val="tx1"/>
                 </a:solidFill>
               </a:rPr>
-              <a:t>Recreation of Arnold shaders in OSL</a:t>
-            </a:r>
-          </a:p>
-          <a:p>
+              <a:t>Improved lighting by including scene for indirect light / shadows</a:t>
+            </a:r>
+          </a:p>
+          <a:p>
+            <a:pPr lvl="1"/>
             <a:r>
               <a:rPr lang="en-US" dirty="0">
                 <a:solidFill>
                   <a:schemeClr val="tx1"/>
                 </a:solidFill>
               </a:rPr>
-              <a:t>C++ Boost::Python</a:t>
-            </a:r>
-          </a:p>
-          <a:p>
-            <a:pPr lvl="1"/>
-            <a:r>
-              <a:rPr lang="en-US" dirty="0">
-                <a:solidFill>
-                  <a:schemeClr val="tx1"/>
-                </a:solidFill>
-              </a:rPr>
-              <a:t>Creation of renderfile from existing classes &amp; data in C++</a:t>
-            </a:r>
-          </a:p>
-          <a:p>
-            <a:pPr lvl="1"/>
-            <a:r>
-              <a:rPr lang="en-US" dirty="0">
-                <a:solidFill>
-                  <a:schemeClr val="tx1"/>
-                </a:solidFill>
-              </a:rPr>
-              <a:t>Transport of renderfile from C++ to Python module</a:t>
+              <a:t>Ambient occlusion pass for objects for better contact shadows</a:t>
             </a:r>
           </a:p>
         </p:txBody>
@@ -6960,7 +7014,7 @@
                   <a:schemeClr val="tx1"/>
                 </a:solidFill>
               </a:rPr>
-              <a:t>Automatic Blender &amp; Appleseed download, build &amp; install</a:t>
+              <a:t>Automatic Blender &amp; Appleseed download &amp; copy</a:t>
             </a:r>
           </a:p>
           <a:p>
@@ -6970,7 +7024,7 @@
                   <a:schemeClr val="tx1"/>
                 </a:solidFill>
               </a:rPr>
-              <a:t>Automatic copying of Python scripts &amp; package</a:t>
+              <a:t>Automatic copying of Python module</a:t>
             </a:r>
           </a:p>
         </p:txBody>
@@ -7446,6 +7500,42 @@
                 </a:solidFill>
               </a:rPr>
               <a:t>Extended documentation</a:t>
+            </a:r>
+          </a:p>
+          <a:p>
+            <a:r>
+              <a:rPr lang="en-US" dirty="0">
+                <a:solidFill>
+                  <a:schemeClr val="tx1"/>
+                </a:solidFill>
+              </a:rPr>
+              <a:t>PhysX GPU </a:t>
+            </a:r>
+            <a:r>
+              <a:rPr lang="en-US" dirty="0" err="1">
+                <a:solidFill>
+                  <a:schemeClr val="tx1"/>
+                </a:solidFill>
+              </a:rPr>
+              <a:t>rigidbodies</a:t>
+            </a:r>
+            <a:r>
+              <a:rPr lang="en-US" dirty="0">
+                <a:solidFill>
+                  <a:schemeClr val="tx1"/>
+                </a:solidFill>
+              </a:rPr>
+              <a:t> &amp; CCD</a:t>
+            </a:r>
+          </a:p>
+          <a:p>
+            <a:r>
+              <a:rPr lang="en-US" dirty="0">
+                <a:solidFill>
+                  <a:schemeClr val="tx1"/>
+                </a:solidFill>
+              </a:rPr>
+              <a:t>Improved performance &amp; stability</a:t>
             </a:r>
           </a:p>
           <a:p>
